--- a/T2_MI5_1421024123_RPL_Social Programmer.pptx
+++ b/T2_MI5_1421024123_RPL_Social Programmer.pptx
@@ -5888,28 +5888,7 @@
                 <a:ea typeface="Tahoma" panose="020B0604030504040204" pitchFamily="34" charset="0"/>
                 <a:cs typeface="Tahoma" panose="020B0604030504040204" pitchFamily="34" charset="0"/>
               </a:rPr>
-              <a:t>TUJUAN </a:t>
-            </a:r>
-            <a:r>
-              <a:rPr lang="id-ID" sz="8000" dirty="0" smtClean="0">
-                <a:solidFill>
-                  <a:schemeClr val="accent3">
-                    <a:lumMod val="40000"/>
-                    <a:lumOff val="60000"/>
-                  </a:schemeClr>
-                </a:solidFill>
-                <a:effectLst>
-                  <a:outerShdw blurRad="38100" dist="38100" dir="2700000" algn="tl">
-                    <a:srgbClr val="000000">
-                      <a:alpha val="43137"/>
-                    </a:srgbClr>
-                  </a:outerShdw>
-                </a:effectLst>
-                <a:latin typeface="Footlight MT Light" panose="0204060206030A020304" pitchFamily="18" charset="0"/>
-                <a:ea typeface="Tahoma" panose="020B0604030504040204" pitchFamily="34" charset="0"/>
-                <a:cs typeface="Tahoma" panose="020B0604030504040204" pitchFamily="34" charset="0"/>
-              </a:rPr>
-              <a:t>RekayasaPerangkat Lunak</a:t>
+              <a:t>TUJUAN RekayasaPerangkat Lunak</a:t>
             </a:r>
             <a:endParaRPr lang="id-ID" sz="8000" dirty="0">
               <a:solidFill>
@@ -6603,7 +6582,6 @@
               <a:rPr lang="id-ID" sz="2800" dirty="0"/>
               <a:t>meminimalisir kecemasan pengguna.</a:t>
             </a:r>
-            <a:endParaRPr lang="id-ID" sz="2800" dirty="0"/>
           </a:p>
         </p:txBody>
       </p:sp>
@@ -6792,7 +6770,6 @@
               <a:rPr lang="id-ID" sz="2400" dirty="0"/>
               <a:t>bersifat modular.</a:t>
             </a:r>
-            <a:endParaRPr lang="id-ID" sz="2400" dirty="0"/>
           </a:p>
         </p:txBody>
       </p:sp>
@@ -7838,44 +7815,42 @@
         </p:nvSpPr>
         <p:spPr/>
         <p:txBody>
-          <a:bodyPr/>
-          <a:lstStyle/>
-          <a:p>
-            <a:pPr marL="0" indent="0">
+          <a:bodyPr>
+            <a:normAutofit/>
+          </a:bodyPr>
+          <a:lstStyle/>
+          <a:p>
+            <a:pPr marL="0" indent="0" algn="just">
               <a:buNone/>
             </a:pPr>
             <a:r>
-              <a:rPr lang="id-ID" dirty="0"/>
-              <a:t>kegiatan produksi yang digunakan sebagai perbandingan antara luaran </a:t>
-            </a:r>
-          </a:p>
-          <a:p>
-            <a:pPr marL="0" indent="0">
-              <a:buNone/>
-            </a:pPr>
-            <a:r>
-              <a:rPr lang="id-ID" dirty="0"/>
-              <a:t>(output) dengan masukan (input). produktivitas dapat digunakan sebagai tolak </a:t>
-            </a:r>
-          </a:p>
-          <a:p>
-            <a:pPr marL="0" indent="0">
-              <a:buNone/>
-            </a:pPr>
-            <a:r>
-              <a:rPr lang="id-ID" dirty="0"/>
-              <a:t>ukur keberhasilan suatu industri atau UKM dalam menghasilkan barang atau </a:t>
-            </a:r>
-          </a:p>
-          <a:p>
-            <a:pPr marL="0" indent="0">
-              <a:buNone/>
-            </a:pPr>
-            <a:r>
-              <a:rPr lang="id-ID" dirty="0"/>
-              <a:t>jasa.</a:t>
-            </a:r>
-            <a:endParaRPr lang="id-ID" dirty="0"/>
+              <a:rPr lang="id-ID" sz="2400" dirty="0"/>
+              <a:t>kegiatan produksi yang digunakan sebagai perbandingan antara </a:t>
+            </a:r>
+            <a:r>
+              <a:rPr lang="id-ID" sz="2400" dirty="0" smtClean="0"/>
+              <a:t>luaran (output</a:t>
+            </a:r>
+            <a:r>
+              <a:rPr lang="id-ID" sz="2400" dirty="0"/>
+              <a:t>) dengan masukan (input). produktivitas dapat digunakan sebagai tolak </a:t>
+            </a:r>
+            <a:r>
+              <a:rPr lang="id-ID" sz="2400" dirty="0" smtClean="0"/>
+              <a:t>ukur </a:t>
+            </a:r>
+            <a:r>
+              <a:rPr lang="id-ID" sz="2400" dirty="0"/>
+              <a:t>keberhasilan suatu industri atau UKM dalam menghasilkan barang atau </a:t>
+            </a:r>
+            <a:r>
+              <a:rPr lang="id-ID" sz="2400" dirty="0" smtClean="0"/>
+              <a:t>jasa</a:t>
+            </a:r>
+            <a:r>
+              <a:rPr lang="id-ID" sz="2400" dirty="0"/>
+              <a:t>.</a:t>
+            </a:r>
           </a:p>
         </p:txBody>
       </p:sp>
@@ -8316,14 +8291,7 @@
                 <a:latin typeface="Vijaya" panose="020B0604020202020204" pitchFamily="34" charset="0"/>
                 <a:cs typeface="Vijaya" panose="020B0604020202020204" pitchFamily="34" charset="0"/>
               </a:rPr>
-              <a:t>harus menyediakan </a:t>
-            </a:r>
-            <a:r>
-              <a:rPr lang="id-ID" sz="3600" dirty="0" smtClean="0">
-                <a:latin typeface="Vijaya" panose="020B0604020202020204" pitchFamily="34" charset="0"/>
-                <a:cs typeface="Vijaya" panose="020B0604020202020204" pitchFamily="34" charset="0"/>
-              </a:rPr>
-              <a:t>fungsi-fungsi yang </a:t>
+              <a:t>harus menyediakan fungsi-fungsi yang </a:t>
             </a:r>
             <a:r>
               <a:rPr lang="id-ID" sz="3600" dirty="0">
